--- a/solutions/google/modern-workspace/workspace/presales/solution-briefing.pptx
+++ b/solutions/google/modern-workspace/workspace/presales/solution-briefing.pptx
@@ -5541,7 +5541,7 @@
               <a:t>Client:</a:t>
             </a:r>
             <a:r>
-              <a:t> Management consulting firm with 450 employees across 6 office locations</a:t>
+              <a:t> Management consulting firm with 450 employees across 6 locations</a:t>
             </a:r>
           </a:p>
           <a:p>
@@ -5561,7 +5561,7 @@
               <a:t>Solution:</a:t>
             </a:r>
             <a:r>
-              <a:t> Deployed Google Workspace Business Plus for 450 users. Migrated 2.8 TB email from Exchange and 4 TB files from Windows file servers. Implemented SAML SSO with Okta and DLP policies for client data protection.</a:t>
+              <a:t> Deployed Google Workspace Business Plus with SAML SSO and DLP policies for 450 users.</a:t>
             </a:r>
           </a:p>
           <a:p>
@@ -5571,7 +5571,7 @@
               <a:t>Results:</a:t>
             </a:r>
             <a:r>
-              <a:t> $170K annual savings eliminating Exchange servers and file server hardware. 10x improvement in document collaboration (10+ users editing simultaneously vs. email attachments). 95% user adoption within 60 days with 4.8/5 satisfaction score. Full ROI achieved in 18 months.</a:t>
+              <a:t> $170K annual savings eliminating Exchange servers. 10x improvement in collaboration. 95% adoption within 60 days. Full ROI in 18 months.</a:t>
             </a:r>
           </a:p>
           <a:p>

--- a/solutions/google/modern-workspace/workspace/presales/solution-briefing.pptx
+++ b/solutions/google/modern-workspace/workspace/presales/solution-briefing.pptx
@@ -693,6 +693,39 @@
       </p:grpSpPr>
       <p:sp>
         <p:nvSpPr>
+          <p:cNvPr id="12" name="Picture Placeholder 13">
+            <a:extLst>
+              <a:ext uri="{FF2B5EF4-FFF2-40B4-BE49-F238E27FC236}">
+                <a16:creationId xmlns:a16="http://schemas.microsoft.com/office/drawing/2014/main" id="{2DB97592-C4D5-B315-7F11-AA14F6EE8A62}"/>
+              </a:ext>
+            </a:extLst>
+          </p:cNvPr>
+          <p:cNvSpPr>
+            <a:spLocks noGrp="1"/>
+          </p:cNvSpPr>
+          <p:nvPr>
+            <p:ph type="pic" sz="quarter" idx="13"/>
+          </p:nvPr>
+        </p:nvSpPr>
+        <p:spPr>
+          <a:xfrm>
+            <a:off x="313593" y="4536078"/>
+            <a:ext cx="2143858" cy="529698"/>
+          </a:xfrm>
+          <a:prstGeom prst="rect">
+            <a:avLst/>
+          </a:prstGeom>
+        </p:spPr>
+        <p:txBody>
+          <a:bodyPr/>
+          <a:lstStyle/>
+          <a:p>
+            <a:endParaRPr lang="en-US" dirty="0"/>
+          </a:p>
+        </p:txBody>
+      </p:sp>
+      <p:sp>
+        <p:nvSpPr>
           <p:cNvPr id="3" name="Shape 1">
             <a:extLst>
               <a:ext uri="{FF2B5EF4-FFF2-40B4-BE49-F238E27FC236}">
@@ -782,39 +815,6 @@
               <a:rPr lang="en-US" dirty="0"/>
               <a:t>Slide Title</a:t>
             </a:r>
-          </a:p>
-        </p:txBody>
-      </p:sp>
-      <p:sp>
-        <p:nvSpPr>
-          <p:cNvPr id="12" name="Picture Placeholder 13">
-            <a:extLst>
-              <a:ext uri="{FF2B5EF4-FFF2-40B4-BE49-F238E27FC236}">
-                <a16:creationId xmlns:a16="http://schemas.microsoft.com/office/drawing/2014/main" id="{2DB97592-C4D5-B315-7F11-AA14F6EE8A62}"/>
-              </a:ext>
-            </a:extLst>
-          </p:cNvPr>
-          <p:cNvSpPr>
-            <a:spLocks noGrp="1"/>
-          </p:cNvSpPr>
-          <p:nvPr>
-            <p:ph type="pic" sz="quarter" idx="13"/>
-          </p:nvPr>
-        </p:nvSpPr>
-        <p:spPr>
-          <a:xfrm>
-            <a:off x="313593" y="4536078"/>
-            <a:ext cx="2143858" cy="529698"/>
-          </a:xfrm>
-          <a:prstGeom prst="rect">
-            <a:avLst/>
-          </a:prstGeom>
-        </p:spPr>
-        <p:txBody>
-          <a:bodyPr/>
-          <a:lstStyle/>
-          <a:p>
-            <a:endParaRPr lang="en-US" dirty="0"/>
           </a:p>
         </p:txBody>
       </p:sp>
@@ -971,6 +971,39 @@
       </p:grpSpPr>
       <p:sp>
         <p:nvSpPr>
+          <p:cNvPr id="12" name="Picture Placeholder 13">
+            <a:extLst>
+              <a:ext uri="{FF2B5EF4-FFF2-40B4-BE49-F238E27FC236}">
+                <a16:creationId xmlns:a16="http://schemas.microsoft.com/office/drawing/2014/main" id="{2DB97592-C4D5-B315-7F11-AA14F6EE8A62}"/>
+              </a:ext>
+            </a:extLst>
+          </p:cNvPr>
+          <p:cNvSpPr>
+            <a:spLocks noGrp="1"/>
+          </p:cNvSpPr>
+          <p:nvPr>
+            <p:ph type="pic" sz="quarter" idx="13"/>
+          </p:nvPr>
+        </p:nvSpPr>
+        <p:spPr>
+          <a:xfrm>
+            <a:off x="313593" y="4536078"/>
+            <a:ext cx="2143858" cy="529698"/>
+          </a:xfrm>
+          <a:prstGeom prst="rect">
+            <a:avLst/>
+          </a:prstGeom>
+        </p:spPr>
+        <p:txBody>
+          <a:bodyPr/>
+          <a:lstStyle/>
+          <a:p>
+            <a:endParaRPr lang="en-US" dirty="0"/>
+          </a:p>
+        </p:txBody>
+      </p:sp>
+      <p:sp>
+        <p:nvSpPr>
           <p:cNvPr id="3" name="Shape 1">
             <a:extLst>
               <a:ext uri="{FF2B5EF4-FFF2-40B4-BE49-F238E27FC236}">
@@ -1060,39 +1093,6 @@
               <a:rPr lang="en-US" dirty="0"/>
               <a:t>Bullet Points</a:t>
             </a:r>
-          </a:p>
-        </p:txBody>
-      </p:sp>
-      <p:sp>
-        <p:nvSpPr>
-          <p:cNvPr id="12" name="Picture Placeholder 13">
-            <a:extLst>
-              <a:ext uri="{FF2B5EF4-FFF2-40B4-BE49-F238E27FC236}">
-                <a16:creationId xmlns:a16="http://schemas.microsoft.com/office/drawing/2014/main" id="{2DB97592-C4D5-B315-7F11-AA14F6EE8A62}"/>
-              </a:ext>
-            </a:extLst>
-          </p:cNvPr>
-          <p:cNvSpPr>
-            <a:spLocks noGrp="1"/>
-          </p:cNvSpPr>
-          <p:nvPr>
-            <p:ph type="pic" sz="quarter" idx="13"/>
-          </p:nvPr>
-        </p:nvSpPr>
-        <p:spPr>
-          <a:xfrm>
-            <a:off x="313593" y="4536078"/>
-            <a:ext cx="2143858" cy="529698"/>
-          </a:xfrm>
-          <a:prstGeom prst="rect">
-            <a:avLst/>
-          </a:prstGeom>
-        </p:spPr>
-        <p:txBody>
-          <a:bodyPr/>
-          <a:lstStyle/>
-          <a:p>
-            <a:endParaRPr lang="en-US" dirty="0"/>
           </a:p>
         </p:txBody>
       </p:sp>
@@ -1235,6 +1235,39 @@
       </p:grpSpPr>
       <p:sp>
         <p:nvSpPr>
+          <p:cNvPr id="10" name="Picture Placeholder 13">
+            <a:extLst>
+              <a:ext uri="{FF2B5EF4-FFF2-40B4-BE49-F238E27FC236}">
+                <a16:creationId xmlns:a16="http://schemas.microsoft.com/office/drawing/2014/main" id="{6A0FA445-7602-F06E-EC73-5504EBF827CC}"/>
+              </a:ext>
+            </a:extLst>
+          </p:cNvPr>
+          <p:cNvSpPr>
+            <a:spLocks noGrp="1"/>
+          </p:cNvSpPr>
+          <p:nvPr>
+            <p:ph type="pic" sz="quarter" idx="14"/>
+          </p:nvPr>
+        </p:nvSpPr>
+        <p:spPr>
+          <a:xfrm>
+            <a:off x="313592" y="4536078"/>
+            <a:ext cx="2121877" cy="529698"/>
+          </a:xfrm>
+          <a:prstGeom prst="rect">
+            <a:avLst/>
+          </a:prstGeom>
+        </p:spPr>
+        <p:txBody>
+          <a:bodyPr/>
+          <a:lstStyle/>
+          <a:p>
+            <a:endParaRPr lang="en-US" dirty="0"/>
+          </a:p>
+        </p:txBody>
+      </p:sp>
+      <p:sp>
+        <p:nvSpPr>
           <p:cNvPr id="3" name="Shape 1">
             <a:extLst>
               <a:ext uri="{FF2B5EF4-FFF2-40B4-BE49-F238E27FC236}">
@@ -1324,39 +1357,6 @@
               <a:rPr lang="en-US" dirty="0"/>
               <a:t>Two Column Layout</a:t>
             </a:r>
-          </a:p>
-        </p:txBody>
-      </p:sp>
-      <p:sp>
-        <p:nvSpPr>
-          <p:cNvPr id="10" name="Picture Placeholder 13">
-            <a:extLst>
-              <a:ext uri="{FF2B5EF4-FFF2-40B4-BE49-F238E27FC236}">
-                <a16:creationId xmlns:a16="http://schemas.microsoft.com/office/drawing/2014/main" id="{6A0FA445-7602-F06E-EC73-5504EBF827CC}"/>
-              </a:ext>
-            </a:extLst>
-          </p:cNvPr>
-          <p:cNvSpPr>
-            <a:spLocks noGrp="1"/>
-          </p:cNvSpPr>
-          <p:nvPr>
-            <p:ph type="pic" sz="quarter" idx="14"/>
-          </p:nvPr>
-        </p:nvSpPr>
-        <p:spPr>
-          <a:xfrm>
-            <a:off x="313592" y="4536078"/>
-            <a:ext cx="2121877" cy="529698"/>
-          </a:xfrm>
-          <a:prstGeom prst="rect">
-            <a:avLst/>
-          </a:prstGeom>
-        </p:spPr>
-        <p:txBody>
-          <a:bodyPr/>
-          <a:lstStyle/>
-          <a:p>
-            <a:endParaRPr lang="en-US" dirty="0"/>
           </a:p>
         </p:txBody>
       </p:sp>
@@ -1604,6 +1604,39 @@
       </p:grpSpPr>
       <p:sp>
         <p:nvSpPr>
+          <p:cNvPr id="12" name="Picture Placeholder 13">
+            <a:extLst>
+              <a:ext uri="{FF2B5EF4-FFF2-40B4-BE49-F238E27FC236}">
+                <a16:creationId xmlns:a16="http://schemas.microsoft.com/office/drawing/2014/main" id="{2DB97592-C4D5-B315-7F11-AA14F6EE8A62}"/>
+              </a:ext>
+            </a:extLst>
+          </p:cNvPr>
+          <p:cNvSpPr>
+            <a:spLocks noGrp="1"/>
+          </p:cNvSpPr>
+          <p:nvPr>
+            <p:ph type="pic" sz="quarter" idx="13"/>
+          </p:nvPr>
+        </p:nvSpPr>
+        <p:spPr>
+          <a:xfrm>
+            <a:off x="313592" y="4536078"/>
+            <a:ext cx="2126273" cy="529698"/>
+          </a:xfrm>
+          <a:prstGeom prst="rect">
+            <a:avLst/>
+          </a:prstGeom>
+        </p:spPr>
+        <p:txBody>
+          <a:bodyPr/>
+          <a:lstStyle/>
+          <a:p>
+            <a:endParaRPr lang="en-US" dirty="0"/>
+          </a:p>
+        </p:txBody>
+      </p:sp>
+      <p:sp>
+        <p:nvSpPr>
           <p:cNvPr id="3" name="Shape 1">
             <a:extLst>
               <a:ext uri="{FF2B5EF4-FFF2-40B4-BE49-F238E27FC236}">
@@ -1719,39 +1752,6 @@
           </a:p>
           <a:p>
             <a:pPr lvl="0"/>
-            <a:endParaRPr lang="en-US" dirty="0"/>
-          </a:p>
-        </p:txBody>
-      </p:sp>
-      <p:sp>
-        <p:nvSpPr>
-          <p:cNvPr id="12" name="Picture Placeholder 13">
-            <a:extLst>
-              <a:ext uri="{FF2B5EF4-FFF2-40B4-BE49-F238E27FC236}">
-                <a16:creationId xmlns:a16="http://schemas.microsoft.com/office/drawing/2014/main" id="{2DB97592-C4D5-B315-7F11-AA14F6EE8A62}"/>
-              </a:ext>
-            </a:extLst>
-          </p:cNvPr>
-          <p:cNvSpPr>
-            <a:spLocks noGrp="1"/>
-          </p:cNvSpPr>
-          <p:nvPr>
-            <p:ph type="pic" sz="quarter" idx="13"/>
-          </p:nvPr>
-        </p:nvSpPr>
-        <p:spPr>
-          <a:xfrm>
-            <a:off x="313592" y="4536078"/>
-            <a:ext cx="2126273" cy="529698"/>
-          </a:xfrm>
-          <a:prstGeom prst="rect">
-            <a:avLst/>
-          </a:prstGeom>
-        </p:spPr>
-        <p:txBody>
-          <a:bodyPr/>
-          <a:lstStyle/>
-          <a:p>
             <a:endParaRPr lang="en-US" dirty="0"/>
           </a:p>
         </p:txBody>
@@ -1863,6 +1863,39 @@
       </p:grpSpPr>
       <p:sp>
         <p:nvSpPr>
+          <p:cNvPr id="10" name="Picture Placeholder 13">
+            <a:extLst>
+              <a:ext uri="{FF2B5EF4-FFF2-40B4-BE49-F238E27FC236}">
+                <a16:creationId xmlns:a16="http://schemas.microsoft.com/office/drawing/2014/main" id="{6A0FA445-7602-F06E-EC73-5504EBF827CC}"/>
+              </a:ext>
+            </a:extLst>
+          </p:cNvPr>
+          <p:cNvSpPr>
+            <a:spLocks noGrp="1"/>
+          </p:cNvSpPr>
+          <p:nvPr>
+            <p:ph type="pic" sz="quarter" idx="14"/>
+          </p:nvPr>
+        </p:nvSpPr>
+        <p:spPr>
+          <a:xfrm>
+            <a:off x="313592" y="4536078"/>
+            <a:ext cx="2130670" cy="529698"/>
+          </a:xfrm>
+          <a:prstGeom prst="rect">
+            <a:avLst/>
+          </a:prstGeom>
+        </p:spPr>
+        <p:txBody>
+          <a:bodyPr/>
+          <a:lstStyle/>
+          <a:p>
+            <a:endParaRPr lang="en-US" dirty="0"/>
+          </a:p>
+        </p:txBody>
+      </p:sp>
+      <p:sp>
+        <p:nvSpPr>
           <p:cNvPr id="3" name="Shape 1">
             <a:extLst>
               <a:ext uri="{FF2B5EF4-FFF2-40B4-BE49-F238E27FC236}">
@@ -1952,39 +1985,6 @@
               <a:rPr lang="en-US" dirty="0"/>
               <a:t>Visual Content</a:t>
             </a:r>
-          </a:p>
-        </p:txBody>
-      </p:sp>
-      <p:sp>
-        <p:nvSpPr>
-          <p:cNvPr id="10" name="Picture Placeholder 13">
-            <a:extLst>
-              <a:ext uri="{FF2B5EF4-FFF2-40B4-BE49-F238E27FC236}">
-                <a16:creationId xmlns:a16="http://schemas.microsoft.com/office/drawing/2014/main" id="{6A0FA445-7602-F06E-EC73-5504EBF827CC}"/>
-              </a:ext>
-            </a:extLst>
-          </p:cNvPr>
-          <p:cNvSpPr>
-            <a:spLocks noGrp="1"/>
-          </p:cNvSpPr>
-          <p:nvPr>
-            <p:ph type="pic" sz="quarter" idx="14"/>
-          </p:nvPr>
-        </p:nvSpPr>
-        <p:spPr>
-          <a:xfrm>
-            <a:off x="313592" y="4536078"/>
-            <a:ext cx="2130670" cy="529698"/>
-          </a:xfrm>
-          <a:prstGeom prst="rect">
-            <a:avLst/>
-          </a:prstGeom>
-        </p:spPr>
-        <p:txBody>
-          <a:bodyPr/>
-          <a:lstStyle/>
-          <a:p>
-            <a:endParaRPr lang="en-US" dirty="0"/>
           </a:p>
         </p:txBody>
       </p:sp>
@@ -2180,6 +2180,39 @@
       </p:grpSpPr>
       <p:sp>
         <p:nvSpPr>
+          <p:cNvPr id="10" name="Picture Placeholder 13">
+            <a:extLst>
+              <a:ext uri="{FF2B5EF4-FFF2-40B4-BE49-F238E27FC236}">
+                <a16:creationId xmlns:a16="http://schemas.microsoft.com/office/drawing/2014/main" id="{6A0FA445-7602-F06E-EC73-5504EBF827CC}"/>
+              </a:ext>
+            </a:extLst>
+          </p:cNvPr>
+          <p:cNvSpPr>
+            <a:spLocks noGrp="1"/>
+          </p:cNvSpPr>
+          <p:nvPr>
+            <p:ph type="pic" sz="quarter" idx="14"/>
+          </p:nvPr>
+        </p:nvSpPr>
+        <p:spPr>
+          <a:xfrm>
+            <a:off x="313592" y="4536078"/>
+            <a:ext cx="2104294" cy="529698"/>
+          </a:xfrm>
+          <a:prstGeom prst="rect">
+            <a:avLst/>
+          </a:prstGeom>
+        </p:spPr>
+        <p:txBody>
+          <a:bodyPr/>
+          <a:lstStyle/>
+          <a:p>
+            <a:endParaRPr lang="en-US" dirty="0"/>
+          </a:p>
+        </p:txBody>
+      </p:sp>
+      <p:sp>
+        <p:nvSpPr>
           <p:cNvPr id="3" name="Shape 1">
             <a:extLst>
               <a:ext uri="{FF2B5EF4-FFF2-40B4-BE49-F238E27FC236}">
@@ -2269,39 +2302,6 @@
               <a:rPr lang="en-US" dirty="0"/>
               <a:t>Data Visualization</a:t>
             </a:r>
-          </a:p>
-        </p:txBody>
-      </p:sp>
-      <p:sp>
-        <p:nvSpPr>
-          <p:cNvPr id="10" name="Picture Placeholder 13">
-            <a:extLst>
-              <a:ext uri="{FF2B5EF4-FFF2-40B4-BE49-F238E27FC236}">
-                <a16:creationId xmlns:a16="http://schemas.microsoft.com/office/drawing/2014/main" id="{6A0FA445-7602-F06E-EC73-5504EBF827CC}"/>
-              </a:ext>
-            </a:extLst>
-          </p:cNvPr>
-          <p:cNvSpPr>
-            <a:spLocks noGrp="1"/>
-          </p:cNvSpPr>
-          <p:nvPr>
-            <p:ph type="pic" sz="quarter" idx="14"/>
-          </p:nvPr>
-        </p:nvSpPr>
-        <p:spPr>
-          <a:xfrm>
-            <a:off x="313592" y="4536078"/>
-            <a:ext cx="2104294" cy="529698"/>
-          </a:xfrm>
-          <a:prstGeom prst="rect">
-            <a:avLst/>
-          </a:prstGeom>
-        </p:spPr>
-        <p:txBody>
-          <a:bodyPr/>
-          <a:lstStyle/>
-          <a:p>
-            <a:endParaRPr lang="en-US" dirty="0"/>
           </a:p>
         </p:txBody>
       </p:sp>
@@ -3423,7 +3423,7 @@
       <p:grpSpPr/>
       <p:sp>
         <p:nvSpPr>
-          <p:cNvPr id="2" name="Text Placeholder 1"/>
+          <p:cNvPr id="3" name="Text Placeholder 2"/>
           <p:cNvSpPr>
             <a:spLocks noGrp="1"/>
           </p:cNvSpPr>
@@ -3727,7 +3727,7 @@
       <p:grpSpPr/>
       <p:sp>
         <p:nvSpPr>
-          <p:cNvPr id="2" name="Text Placeholder 1"/>
+          <p:cNvPr id="3" name="Text Placeholder 2"/>
           <p:cNvSpPr>
             <a:spLocks noGrp="1"/>
           </p:cNvSpPr>
@@ -3902,7 +3902,7 @@
       <p:grpSpPr/>
       <p:sp>
         <p:nvSpPr>
-          <p:cNvPr id="2" name="Text Placeholder 1"/>
+          <p:cNvPr id="3" name="Text Placeholder 2"/>
           <p:cNvSpPr>
             <a:spLocks noGrp="1"/>
           </p:cNvSpPr>
@@ -4688,7 +4688,7 @@
       <p:grpSpPr/>
       <p:sp>
         <p:nvSpPr>
-          <p:cNvPr id="2" name="Text Placeholder 1"/>
+          <p:cNvPr id="3" name="Text Placeholder 2"/>
           <p:cNvSpPr>
             <a:spLocks noGrp="1"/>
           </p:cNvSpPr>
@@ -4726,63 +4726,50 @@
             <a:pPr/>
             <a:r>
               <a:rPr b="1"/>
-              <a:t>Core Productivity Applications</a:t>
+              <a:t>Core Workspace Applications</a:t>
             </a:r>
           </a:p>
           <a:p>
             <a:pPr lvl="1"/>
             <a:r>
-              <a:t>Gmail business email with 30 GB storage, Drive with 5 TB per user, and real-time Docs/Sheets/Slides collaboration</a:t>
+              <a:t>Gmail with 30 GB storage and Drive with 5 TB per user</a:t>
             </a:r>
           </a:p>
           <a:p>
             <a:pPr lvl="1"/>
             <a:r>
-              <a:t>Google Meet video conferencing for 500 participants with recording and live captions</a:t>
+              <a:t>Google Docs, Sheets, Slides for real-time document collaboration</a:t>
+            </a:r>
+          </a:p>
+          <a:p>
+            <a:pPr lvl="1"/>
+            <a:r>
+              <a:t>Google Meet video conferencing for 500 participants with recording</a:t>
             </a:r>
           </a:p>
           <a:p>
             <a:pPr/>
             <a:r>
               <a:rPr b="1"/>
-              <a:t>Security and Compliance</a:t>
+              <a:t>Security and Identity</a:t>
             </a:r>
           </a:p>
           <a:p>
             <a:pPr lvl="1"/>
             <a:r>
-              <a:t>Data Loss Prevention (DLP) policies and Google Vault for 7-year retention with eDiscovery</a:t>
+              <a:t>Data Loss Prevention (DLP) and Google Vault for 7-year retention</a:t>
             </a:r>
           </a:p>
           <a:p>
             <a:pPr lvl="1"/>
             <a:r>
-              <a:t>Advanced mobile device management for BYOD and corporate device security</a:t>
+              <a:t>SAML SSO with Azure AD and automated user provisioning</a:t>
             </a:r>
           </a:p>
           <a:p>
             <a:pPr lvl="1"/>
             <a:r>
-              <a:t>2-Step Verification (2SV) and security key enforcement for all users</a:t>
-            </a:r>
-          </a:p>
-          <a:p>
-            <a:pPr/>
-            <a:r>
-              <a:rPr b="1"/>
-              <a:t>Identity and Access</a:t>
-            </a:r>
-          </a:p>
-          <a:p>
-            <a:pPr lvl="1"/>
-            <a:r>
-              <a:t>SAML SSO integration with Azure AD and automated user provisioning via directory sync</a:t>
-            </a:r>
-          </a:p>
-          <a:p>
-            <a:pPr lvl="1"/>
-            <a:r>
-              <a:t>Cloud Identity Premium for advanced endpoint management and context-aware access</a:t>
+              <a:t>Advanced mobile device management with 2-Step Verification enforcement</a:t>
             </a:r>
           </a:p>
         </p:txBody>
@@ -4890,7 +4877,7 @@
       <p:grpSpPr/>
       <p:sp>
         <p:nvSpPr>
-          <p:cNvPr id="2" name="Text Placeholder 1"/>
+          <p:cNvPr id="3" name="Text Placeholder 2"/>
           <p:cNvSpPr>
             <a:spLocks noGrp="1"/>
           </p:cNvSpPr>
@@ -5074,7 +5061,7 @@
       <p:grpSpPr/>
       <p:sp>
         <p:nvSpPr>
-          <p:cNvPr id="2" name="Text Placeholder 1"/>
+          <p:cNvPr id="3" name="Text Placeholder 2"/>
           <p:cNvSpPr>
             <a:spLocks noGrp="1"/>
           </p:cNvSpPr>
@@ -5493,7 +5480,7 @@
       <p:grpSpPr/>
       <p:sp>
         <p:nvSpPr>
-          <p:cNvPr id="2" name="Text Placeholder 1"/>
+          <p:cNvPr id="3" name="Text Placeholder 2"/>
           <p:cNvSpPr>
             <a:spLocks noGrp="1"/>
           </p:cNvSpPr>
@@ -5666,7 +5653,7 @@
       <p:grpSpPr/>
       <p:sp>
         <p:nvSpPr>
-          <p:cNvPr id="2" name="Text Placeholder 1"/>
+          <p:cNvPr id="3" name="Text Placeholder 2"/>
           <p:cNvSpPr>
             <a:spLocks noGrp="1"/>
           </p:cNvSpPr>
@@ -5853,7 +5840,7 @@
       <p:grpSpPr/>
       <p:sp>
         <p:nvSpPr>
-          <p:cNvPr id="2" name="Text Placeholder 1"/>
+          <p:cNvPr id="3" name="Text Placeholder 2"/>
           <p:cNvSpPr>
             <a:spLocks noGrp="1"/>
           </p:cNvSpPr>

--- a/solutions/google/modern-workspace/workspace/presales/solution-briefing.pptx
+++ b/solutions/google/modern-workspace/workspace/presales/solution-briefing.pptx
@@ -3326,7 +3326,7 @@
           <a:lstStyle/>
           <a:p>
             <a:r>
-              <a:t>['Presenter Name'] | November 22, 2025</a:t>
+              <a:t>['Presenter Name'] | November 24, 2025</a:t>
             </a:r>
           </a:p>
         </p:txBody>
@@ -6063,41 +6063,7 @@
                     <a:p>
                       <a:r>
                         <a:rPr sz="1100"/>
-                        <a:t>$38,400</a:t>
-                      </a:r>
-                    </a:p>
-                  </a:txBody>
-                  <a:tcPr>
-                    <a:solidFill>
-                      <a:srgbClr val="E7E6E6"/>
-                    </a:solidFill>
-                  </a:tcPr>
-                </a:tc>
-                <a:tc>
-                  <a:txBody>
-                    <a:bodyPr/>
-                    <a:lstStyle/>
-                    <a:p>
-                      <a:r>
-                        <a:rPr sz="1100"/>
-                        <a:t>($3,000)</a:t>
-                      </a:r>
-                    </a:p>
-                  </a:txBody>
-                  <a:tcPr>
-                    <a:solidFill>
-                      <a:srgbClr val="E7E6E6"/>
-                    </a:solidFill>
-                  </a:tcPr>
-                </a:tc>
-                <a:tc>
-                  <a:txBody>
-                    <a:bodyPr/>
-                    <a:lstStyle/>
-                    <a:p>
-                      <a:r>
-                        <a:rPr sz="1100"/>
-                        <a:t>$35,400</a:t>
+                        <a:t>$0</a:t>
                       </a:r>
                     </a:p>
                   </a:txBody>
@@ -6148,7 +6114,41 @@
                     <a:p>
                       <a:r>
                         <a:rPr sz="1100"/>
-                        <a:t>$35,400</a:t>
+                        <a:t>$0</a:t>
+                      </a:r>
+                    </a:p>
+                  </a:txBody>
+                  <a:tcPr>
+                    <a:solidFill>
+                      <a:srgbClr val="E7E6E6"/>
+                    </a:solidFill>
+                  </a:tcPr>
+                </a:tc>
+                <a:tc>
+                  <a:txBody>
+                    <a:bodyPr/>
+                    <a:lstStyle/>
+                    <a:p>
+                      <a:r>
+                        <a:rPr sz="1100"/>
+                        <a:t>$0</a:t>
+                      </a:r>
+                    </a:p>
+                  </a:txBody>
+                  <a:tcPr>
+                    <a:solidFill>
+                      <a:srgbClr val="E7E6E6"/>
+                    </a:solidFill>
+                  </a:tcPr>
+                </a:tc>
+                <a:tc>
+                  <a:txBody>
+                    <a:bodyPr/>
+                    <a:lstStyle/>
+                    <a:p>
+                      <a:r>
+                        <a:rPr sz="1100"/>
+                        <a:t>$0</a:t>
                       </a:r>
                     </a:p>
                   </a:txBody>
@@ -6305,7 +6305,7 @@
                     <a:p>
                       <a:r>
                         <a:rPr b="1" sz="1100"/>
-                        <a:t>$153,600</a:t>
+                        <a:t>$115,200</a:t>
                       </a:r>
                     </a:p>
                   </a:txBody>
@@ -6322,7 +6322,7 @@
                     <a:p>
                       <a:r>
                         <a:rPr b="1" sz="1100"/>
-                        <a:t>($13,000)</a:t>
+                        <a:t>($10,000)</a:t>
                       </a:r>
                     </a:p>
                   </a:txBody>
@@ -6339,7 +6339,7 @@
                     <a:p>
                       <a:r>
                         <a:rPr b="1" sz="1100"/>
-                        <a:t>$140,600</a:t>
+                        <a:t>$105,200</a:t>
                       </a:r>
                     </a:p>
                   </a:txBody>
@@ -6390,7 +6390,7 @@
                     <a:p>
                       <a:r>
                         <a:rPr b="1" sz="1100"/>
-                        <a:t>$371,000</a:t>
+                        <a:t>$335,600</a:t>
                       </a:r>
                     </a:p>
                   </a:txBody>
